--- a/observer_Pattern.pptx
+++ b/observer_Pattern.pptx
@@ -2,7 +2,7 @@
 <file path=ppt/presentation.xml><?xml version="1.0" encoding="utf-8"?>
 <p:presentation xmlns:r="http://schemas.openxmlformats.org/officeDocument/2006/relationships" xmlns:c="http://schemas.openxmlformats.org/drawingml/2006/chart" xmlns:a="http://schemas.openxmlformats.org/drawingml/2006/main" xmlns:dgm="http://schemas.openxmlformats.org/drawingml/2006/diagram" xmlns:dsp="http://schemas.microsoft.com/office/drawing/2008/diagram" xmlns:p="http://schemas.openxmlformats.org/presentationml/2006/main" saveSubsetFonts="1">
   <p:sldMasterIdLst>
-    <p:sldMasterId id="2147483666" r:id="rId1"/>
+    <p:sldMasterId id="2147483674" r:id="rId1"/>
   </p:sldMasterIdLst>
   <p:notesMasterIdLst>
     <p:notesMasterId r:id="rId2"/>
@@ -15,7 +15,6 @@
     <p:sldId id="260" r:id="rId7"/>
     <p:sldId id="261" r:id="rId8"/>
     <p:sldId id="262" r:id="rId9"/>
-    <p:sldId id="263" r:id="rId10"/>
   </p:sldIdLst>
   <p:sldSz cx="12192000" cy="6858000"/>
   <p:notesSz cx="6735763" cy="9866313"/>
@@ -663,176 +662,6 @@
                 <a:defRPr/>
               </a:pPr>
               <a:t>7</a:t>
-            </a:fld>
-            <a:endParaRPr lang="en-US" altLang="en-US"/>
-          </a:p>
-        </p:txBody>
-      </p:sp>
-    </p:spTree>
-  </p:cSld>
-  <p:clrMapOvr>
-    <a:masterClrMapping/>
-  </p:clrMapOvr>
-</p:notes>
-</file>
-
-<file path=ppt/notesSlides/notesSlide2.xml><?xml version="1.0" encoding="utf-8"?>
-<p:notes xmlns:r="http://schemas.openxmlformats.org/officeDocument/2006/relationships" xmlns:c="http://schemas.openxmlformats.org/drawingml/2006/chart" xmlns:a="http://schemas.openxmlformats.org/drawingml/2006/main" xmlns:dgm="http://schemas.openxmlformats.org/drawingml/2006/diagram" xmlns:dsp="http://schemas.microsoft.com/office/drawing/2008/diagram" xmlns:p="http://schemas.openxmlformats.org/presentationml/2006/main">
-  <p:cSld>
-    <p:spTree>
-      <p:nvGrpSpPr>
-        <p:cNvPr id="1" name=""/>
-        <p:cNvGrpSpPr/>
-        <p:nvPr/>
-      </p:nvGrpSpPr>
-      <p:grpSpPr>
-        <a:xfrm>
-          <a:off x="0" y="0"/>
-          <a:ext cx="0" cy="0"/>
-          <a:chOff x="0" y="0"/>
-          <a:chExt cx="0" cy="0"/>
-        </a:xfrm>
-      </p:grpSpPr>
-      <p:sp>
-        <p:nvSpPr>
-          <p:cNvPr id="2" name="슬라이드 이미지 개체 틀 3"/>
-          <p:cNvSpPr>
-            <a:spLocks noGrp="1" noRot="1" noChangeAspect="1" noTextEdit="1"/>
-          </p:cNvSpPr>
-          <p:nvPr>
-            <p:ph type="sldImg" idx="2"/>
-          </p:nvPr>
-        </p:nvSpPr>
-        <p:spPr/>
-        <p:txBody>
-          <a:bodyPr/>
-          <a:lstStyle/>
-          <a:p>
-            <a:pPr>
-              <a:defRPr/>
-            </a:pPr>
-            <a:endParaRPr lang="ko-KR" altLang="en-US"/>
-          </a:p>
-        </p:txBody>
-      </p:sp>
-      <p:sp>
-        <p:nvSpPr>
-          <p:cNvPr id="3" name="슬라이드 노트 개체 틀 4"/>
-          <p:cNvSpPr>
-            <a:spLocks noGrp="1"/>
-          </p:cNvSpPr>
-          <p:nvPr>
-            <p:ph type="body" sz="quarter" idx="3"/>
-          </p:nvPr>
-        </p:nvSpPr>
-        <p:spPr/>
-        <p:txBody>
-          <a:bodyPr/>
-          <a:lstStyle/>
-          <a:p>
-            <a:pPr>
-              <a:defRPr/>
-            </a:pPr>
-            <a:r>
-              <a:rPr lang="en-US" altLang="ko-KR"/>
-              <a:t>OCP</a:t>
-            </a:r>
-            <a:r>
-              <a:rPr lang="ko-KR" altLang="en-US"/>
-              <a:t> 개방폐쇄 원칙 </a:t>
-            </a:r>
-            <a:r>
-              <a:rPr lang="en-US" altLang="ko-KR"/>
-              <a:t>-&gt;</a:t>
-            </a:r>
-            <a:r>
-              <a:rPr lang="ko-KR" altLang="en-US"/>
-              <a:t> </a:t>
-            </a:r>
-            <a:endParaRPr lang="ko-KR" altLang="en-US"/>
-          </a:p>
-          <a:p>
-            <a:pPr>
-              <a:defRPr/>
-            </a:pPr>
-            <a:r>
-              <a:rPr lang="ko-KR" altLang="en-US"/>
-              <a:t>확장에는 열려 있어야하고</a:t>
-            </a:r>
-            <a:r>
-              <a:rPr lang="en-US" altLang="ko-KR"/>
-              <a:t>,</a:t>
-            </a:r>
-            <a:r>
-              <a:rPr lang="ko-KR" altLang="en-US"/>
-              <a:t> 변경에는 닫혀있어야 한다</a:t>
-            </a:r>
-            <a:r>
-              <a:rPr lang="en-US" altLang="ko-KR"/>
-              <a:t>.</a:t>
-            </a:r>
-            <a:r>
-              <a:rPr lang="ko-KR" altLang="en-US"/>
-              <a:t> </a:t>
-            </a:r>
-            <a:r>
-              <a:rPr lang="en-US" altLang="ko-KR"/>
-              <a:t>-&gt;</a:t>
-            </a:r>
-            <a:r>
-              <a:rPr lang="ko-KR" altLang="en-US"/>
-              <a:t> 기능을 변경하거나 확장할 수 있으면서 그 기능을 사용하는 코드는 수정하지 않는다</a:t>
-            </a:r>
-            <a:r>
-              <a:rPr lang="en-US" altLang="ko-KR"/>
-              <a:t>.</a:t>
-            </a:r>
-            <a:endParaRPr lang="en-US" altLang="ko-KR"/>
-          </a:p>
-          <a:p>
-            <a:pPr>
-              <a:defRPr/>
-            </a:pPr>
-            <a:r>
-              <a:rPr lang="en-US" altLang="ko-KR"/>
-              <a:t>-&gt;</a:t>
-            </a:r>
-            <a:r>
-              <a:rPr lang="ko-KR" altLang="en-US"/>
-              <a:t>전략패턴에 어울리는 내용</a:t>
-            </a:r>
-            <a:r>
-              <a:rPr lang="en-US" altLang="ko-KR"/>
-              <a:t>...</a:t>
-            </a:r>
-            <a:endParaRPr lang="en-US" altLang="ko-KR"/>
-          </a:p>
-        </p:txBody>
-      </p:sp>
-      <p:sp>
-        <p:nvSpPr>
-          <p:cNvPr id="4" name="슬라이드 번호 개체 틀 6"/>
-          <p:cNvSpPr>
-            <a:spLocks noGrp="1"/>
-          </p:cNvSpPr>
-          <p:nvPr>
-            <p:ph type="sldNum" sz="quarter" idx="5"/>
-          </p:nvPr>
-        </p:nvSpPr>
-        <p:spPr/>
-        <p:txBody>
-          <a:bodyPr/>
-          <a:lstStyle/>
-          <a:p>
-            <a:pPr lvl="0">
-              <a:defRPr/>
-            </a:pPr>
-            <a:fld id="{3698BE7A-A975-4685-9393-F61C7D1D7DF4}" type="slidenum">
-              <a:rPr lang="en-US" altLang="en-US"/>
-              <a:pPr lvl="0">
-                <a:defRPr/>
-              </a:pPr>
-              <a:t>8</a:t>
             </a:fld>
             <a:endParaRPr lang="en-US" altLang="en-US"/>
           </a:p>
@@ -5948,8 +5777,8 @@
         </p:nvSpPr>
         <p:spPr>
           <a:xfrm>
-            <a:off x="281938" y="101138"/>
-            <a:ext cx="1466852" cy="392257"/>
+            <a:off x="281937" y="101138"/>
+            <a:ext cx="1704977" cy="392257"/>
           </a:xfrm>
           <a:prstGeom prst="rect">
             <a:avLst/>
@@ -5962,7 +5791,7 @@
           </a:bodyPr>
           <a:lstStyle/>
           <a:p>
-            <a:pPr lvl="0">
+            <a:pPr>
               <a:defRPr/>
             </a:pPr>
             <a:r>
@@ -5979,7 +5808,7 @@
                 <a:ea typeface="KoPubWorld돋움체 Bold"/>
                 <a:cs typeface="KoPubWorld돋움체 Bold"/>
               </a:rPr>
-              <a:t> 전략패턴</a:t>
+              <a:t> 옵저버패턴</a:t>
             </a:r>
             <a:endParaRPr lang="ko-KR" altLang="en-US" sz="2000" b="1">
               <a:latin typeface="KoPubWorld돋움체 Bold"/>
@@ -6019,7 +5848,7 @@
                 <a:ea typeface="KoPubWorld돋움체 Bold"/>
                 <a:cs typeface="KoPubWorld돋움체 Bold"/>
               </a:rPr>
-              <a:t>전략 패턴의 장단점  </a:t>
+              <a:t>옵저버 패턴의 장단점  </a:t>
             </a:r>
             <a:endParaRPr lang="ko-KR" altLang="en-US" sz="3600" b="1">
               <a:latin typeface="KoPubWorld돋움체 Bold"/>
@@ -6037,8 +5866,8 @@
         </p:nvSpPr>
         <p:spPr>
           <a:xfrm>
-            <a:off x="278751" y="1547940"/>
-            <a:ext cx="11327728" cy="2545905"/>
+            <a:off x="289957" y="1547940"/>
+            <a:ext cx="11327728" cy="2526855"/>
           </a:xfrm>
           <a:prstGeom prst="rect">
             <a:avLst/>
@@ -6054,160 +5883,172 @@
               <a:defRPr/>
             </a:pPr>
             <a:r>
-              <a:rPr lang="ko-KR" altLang="en-US" sz="2300"/>
+              <a:rPr lang="ko-KR" altLang="en-US" sz="2000"/>
               <a:t>장점 </a:t>
             </a:r>
             <a:r>
-              <a:rPr lang="en-US" altLang="ko-KR" sz="2300"/>
+              <a:rPr lang="en-US" altLang="ko-KR" sz="2000"/>
               <a:t>:</a:t>
             </a:r>
             <a:r>
-              <a:rPr lang="ko-KR" altLang="en-US" sz="2300"/>
-              <a:t> 전략패턴을 사용하면</a:t>
-            </a:r>
-            <a:r>
-              <a:rPr lang="en-US" altLang="ko-KR" sz="2300"/>
-              <a:t>,</a:t>
-            </a:r>
-            <a:r>
-              <a:rPr lang="ko-KR" altLang="en-US" sz="2300"/>
-              <a:t> 요구사항이 변경되었을 때</a:t>
-            </a:r>
-            <a:r>
-              <a:rPr lang="en-US" altLang="ko-KR" sz="2300"/>
-              <a:t>,</a:t>
-            </a:r>
-            <a:r>
-              <a:rPr lang="ko-KR" altLang="en-US" sz="2300"/>
-              <a:t> 기존의 코드를 최소화하고</a:t>
-            </a:r>
-            <a:r>
-              <a:rPr lang="en-US" altLang="ko-KR" sz="2300"/>
-              <a:t>,</a:t>
-            </a:r>
-            <a:r>
-              <a:rPr lang="ko-KR" altLang="en-US" sz="2300"/>
-              <a:t> 새로운 전략에 대해서</a:t>
-            </a:r>
-            <a:r>
-              <a:rPr lang="en-US" altLang="ko-KR" sz="2300"/>
-              <a:t>,</a:t>
-            </a:r>
-            <a:r>
-              <a:rPr lang="ko-KR" altLang="en-US" sz="2300"/>
-              <a:t> 새로운 클래스를 통해 관리하기 때문에 </a:t>
-            </a:r>
-            <a:r>
-              <a:rPr lang="en-US" altLang="ko-KR" sz="2300"/>
-              <a:t>OCP</a:t>
-            </a:r>
-            <a:r>
-              <a:rPr lang="ko-KR" altLang="en-US" sz="2300"/>
-              <a:t> 의 원칙</a:t>
-            </a:r>
-            <a:r>
-              <a:rPr lang="en-US" altLang="ko-KR" sz="2300"/>
-              <a:t>(?)</a:t>
-            </a:r>
-            <a:r>
-              <a:rPr lang="ko-KR" altLang="en-US" sz="2300"/>
-              <a:t>을 지킨다</a:t>
-            </a:r>
-            <a:r>
-              <a:rPr lang="en-US" altLang="ko-KR" sz="2300"/>
-              <a:t>.</a:t>
-            </a:r>
-            <a:r>
-              <a:rPr lang="ko-KR" altLang="en-US" sz="2300"/>
+              <a:rPr lang="ko-KR" altLang="en-US" sz="2000"/>
               <a:t> </a:t>
             </a:r>
-            <a:r>
-              <a:rPr lang="en-US" altLang="ko-KR" sz="2300"/>
-              <a:t>(</a:t>
-            </a:r>
-            <a:r>
-              <a:rPr lang="ko-KR" altLang="en-US" sz="2300"/>
-              <a:t>확장성의 용이</a:t>
-            </a:r>
-            <a:r>
-              <a:rPr lang="en-US" altLang="ko-KR" sz="2300"/>
-              <a:t>,</a:t>
-            </a:r>
-            <a:r>
-              <a:rPr lang="ko-KR" altLang="en-US" sz="2300"/>
-              <a:t> 유연성 증가</a:t>
-            </a:r>
-            <a:r>
-              <a:rPr lang="en-US" altLang="ko-KR" sz="2300"/>
-              <a:t>)</a:t>
-            </a:r>
-            <a:endParaRPr lang="en-US" altLang="ko-KR" sz="2300"/>
+            <a:endParaRPr lang="ko-KR" altLang="en-US" sz="2000"/>
           </a:p>
           <a:p>
             <a:pPr>
               <a:defRPr/>
             </a:pPr>
-            <a:endParaRPr lang="en-US" altLang="ko-KR" sz="2300"/>
+            <a:r>
+              <a:rPr lang="en-US" altLang="ko-KR" sz="2000"/>
+              <a:t>1.</a:t>
+            </a:r>
+            <a:r>
+              <a:rPr lang="ko-KR" altLang="en-US" sz="2000"/>
+              <a:t> 변경 사항이 생겨나도 유연한 객체지향 시스템 구축 가능  </a:t>
+            </a:r>
+            <a:r>
+              <a:rPr lang="en-US" altLang="ko-KR" sz="2000"/>
+              <a:t>-&gt;</a:t>
+            </a:r>
+            <a:r>
+              <a:rPr lang="ko-KR" altLang="en-US" sz="2000"/>
+              <a:t> 느슨한 결합</a:t>
+            </a:r>
+            <a:endParaRPr lang="ko-KR" altLang="en-US" sz="2000"/>
           </a:p>
           <a:p>
             <a:pPr>
               <a:defRPr/>
             </a:pPr>
             <a:r>
-              <a:rPr lang="ko-KR" altLang="en-US" sz="2300"/>
-              <a:t>단점 </a:t>
-            </a:r>
-            <a:r>
-              <a:rPr lang="en-US" altLang="ko-KR" sz="2300"/>
-              <a:t>:</a:t>
-            </a:r>
-            <a:r>
-              <a:rPr lang="ko-KR" altLang="en-US" sz="2300"/>
-              <a:t> 알고리즘이 늘어날수록 객체도 무한정 늘어나며</a:t>
-            </a:r>
-            <a:r>
-              <a:rPr lang="en-US" altLang="ko-KR" sz="2300"/>
-              <a:t>,</a:t>
-            </a:r>
-            <a:r>
-              <a:rPr lang="ko-KR" altLang="en-US" sz="2300"/>
-              <a:t> 클라이언트가 사용할 객체를 직접 결정해야 학 때문에</a:t>
-            </a:r>
-            <a:r>
-              <a:rPr lang="en-US" altLang="ko-KR" sz="2300"/>
-              <a:t>,</a:t>
-            </a:r>
-            <a:r>
-              <a:rPr lang="ko-KR" altLang="en-US" sz="2300"/>
-              <a:t> 많은 알고리즘에 대한 성능과 효율을 알고 있어야 함</a:t>
-            </a:r>
-            <a:r>
-              <a:rPr lang="en-US" altLang="ko-KR" sz="2300"/>
-              <a:t>.</a:t>
-            </a:r>
-            <a:r>
-              <a:rPr lang="ko-KR" altLang="en-US" sz="2300"/>
-              <a:t> </a:t>
-            </a:r>
-            <a:endParaRPr lang="ko-KR" altLang="en-US" sz="2300"/>
+              <a:rPr lang="en-US" altLang="ko-KR" sz="2000"/>
+              <a:t>(</a:t>
+            </a:r>
+            <a:r>
+              <a:rPr lang="ko-KR" altLang="en-US" sz="2000"/>
+              <a:t>구성방식의 큰 장점중 하나라고 생각</a:t>
+            </a:r>
+            <a:r>
+              <a:rPr lang="en-US" altLang="ko-KR" sz="2000"/>
+              <a:t>)</a:t>
+            </a:r>
+            <a:endParaRPr lang="en-US" altLang="ko-KR" sz="2000"/>
           </a:p>
           <a:p>
             <a:pPr>
               <a:defRPr/>
             </a:pPr>
             <a:r>
-              <a:rPr lang="en-US" altLang="ko-KR" sz="2300"/>
-              <a:t>--&gt;(</a:t>
-            </a:r>
-            <a:r>
-              <a:rPr lang="ko-KR" altLang="en-US" sz="2300"/>
-              <a:t>이건 무슨말인지 도통 모르겠다</a:t>
-            </a:r>
-            <a:r>
-              <a:rPr lang="en-US" altLang="ko-KR" sz="2300"/>
-              <a:t>.)</a:t>
-            </a:r>
-            <a:endParaRPr lang="en-US" altLang="ko-KR" sz="2300"/>
+              <a:rPr lang="en-US" altLang="ko-KR" sz="2000"/>
+              <a:t>2. 1</a:t>
+            </a:r>
+            <a:r>
+              <a:rPr lang="ko-KR" altLang="en-US" sz="2000"/>
+              <a:t>번에서 이어지는 내용 </a:t>
+            </a:r>
+            <a:r>
+              <a:rPr lang="en-US" altLang="ko-KR" sz="2000"/>
+              <a:t>OCP</a:t>
+            </a:r>
+            <a:r>
+              <a:rPr lang="ko-KR" altLang="en-US" sz="2000"/>
+              <a:t> </a:t>
+            </a:r>
+            <a:r>
+              <a:rPr lang="en-US" altLang="ko-KR" sz="2000"/>
+              <a:t>(</a:t>
+            </a:r>
+            <a:r>
+              <a:rPr lang="ko-KR" altLang="en-US" sz="2000"/>
+              <a:t>확장에는 열려있고 변경에는 닫혀있어야 한다는 원칙</a:t>
+            </a:r>
+            <a:r>
+              <a:rPr lang="en-US" altLang="ko-KR" sz="2000"/>
+              <a:t>)</a:t>
+            </a:r>
+            <a:endParaRPr lang="en-US" altLang="ko-KR" sz="2000"/>
+          </a:p>
+          <a:p>
+            <a:pPr>
+              <a:defRPr/>
+            </a:pPr>
+            <a:r>
+              <a:rPr lang="ko-KR" altLang="en-US" sz="2000"/>
+              <a:t>잘 지킬 수 있다</a:t>
+            </a:r>
+            <a:r>
+              <a:rPr lang="en-US" altLang="ko-KR" sz="2000"/>
+              <a:t>.</a:t>
+            </a:r>
+            <a:endParaRPr lang="en-US" altLang="ko-KR" sz="2000"/>
+          </a:p>
+          <a:p>
+            <a:pPr>
+              <a:defRPr/>
+            </a:pPr>
+            <a:endParaRPr lang="en-US" altLang="ko-KR" sz="2000"/>
+          </a:p>
+          <a:p>
+            <a:pPr>
+              <a:defRPr/>
+            </a:pPr>
+            <a:r>
+              <a:rPr lang="ko-KR" altLang="en-US" sz="2000"/>
+              <a:t>단점 </a:t>
+            </a:r>
+            <a:r>
+              <a:rPr lang="en-US" altLang="ko-KR" sz="2000"/>
+              <a:t>:</a:t>
+            </a:r>
+            <a:r>
+              <a:rPr lang="ko-KR" altLang="en-US" sz="2000"/>
+              <a:t> </a:t>
+            </a:r>
+            <a:r>
+              <a:rPr lang="en-US" altLang="ko-KR" sz="2000"/>
+              <a:t>Observer</a:t>
+            </a:r>
+            <a:r>
+              <a:rPr lang="ko-KR" altLang="en-US" sz="2000"/>
+              <a:t>에게 알림이 가는 순서를 보장할 수 없다 </a:t>
+            </a:r>
+            <a:endParaRPr lang="en-US" altLang="ko-KR" sz="2000"/>
+          </a:p>
+          <a:p>
+            <a:pPr>
+              <a:defRPr/>
+            </a:pPr>
+            <a:r>
+              <a:rPr lang="en-US" altLang="ko-KR" sz="2000"/>
+              <a:t>(</a:t>
+            </a:r>
+            <a:r>
+              <a:rPr lang="ko-KR" altLang="en-US" sz="2000"/>
+              <a:t>순서 정의</a:t>
+            </a:r>
+            <a:r>
+              <a:rPr lang="en-US" altLang="ko-KR" sz="2000"/>
+              <a:t> </a:t>
+            </a:r>
+            <a:r>
+              <a:rPr lang="ko-KR" altLang="en-US" sz="2000"/>
+              <a:t>하지 않는 것을 원칙</a:t>
+            </a:r>
+            <a:r>
+              <a:rPr lang="en-US" altLang="ko-KR" sz="2000"/>
+              <a:t>..?-&gt;</a:t>
+            </a:r>
+            <a:r>
+              <a:rPr lang="ko-KR" altLang="en-US" sz="2000"/>
+              <a:t> 책에서 본거 같은데 다시 찾아보니깐 없다</a:t>
+            </a:r>
+            <a:r>
+              <a:rPr lang="en-US" altLang="ko-KR" sz="2000"/>
+              <a:t>)</a:t>
+            </a:r>
+            <a:endParaRPr lang="en-US" altLang="ko-KR" sz="2000"/>
           </a:p>
         </p:txBody>
       </p:sp>
@@ -6220,7 +6061,7 @@
         <p:spPr>
           <a:xfrm>
             <a:off x="191131" y="5428084"/>
-            <a:ext cx="11327729" cy="789836"/>
+            <a:ext cx="11327729" cy="694586"/>
           </a:xfrm>
           <a:prstGeom prst="rect">
             <a:avLst/>
@@ -6236,58 +6077,58 @@
               <a:defRPr/>
             </a:pPr>
             <a:r>
-              <a:rPr lang="en-US" altLang="ko-KR" sz="2300"/>
+              <a:rPr lang="en-US" altLang="ko-KR" sz="2000"/>
               <a:t>-</a:t>
             </a:r>
             <a:r>
-              <a:rPr lang="ko-KR" altLang="en-US" sz="2300"/>
+              <a:rPr lang="ko-KR" altLang="en-US" sz="2000"/>
               <a:t> </a:t>
             </a:r>
             <a:r>
-              <a:rPr lang="en-US" altLang="ko-KR" sz="2300"/>
+              <a:rPr lang="en-US" altLang="ko-KR" sz="2000"/>
               <a:t>Android</a:t>
             </a:r>
             <a:r>
-              <a:rPr lang="ko-KR" altLang="en-US" sz="2300"/>
+              <a:rPr lang="ko-KR" altLang="en-US" sz="2000"/>
               <a:t>에서 많이 사용하는 </a:t>
             </a:r>
             <a:r>
-              <a:rPr lang="en-US" altLang="ko-KR" sz="2300"/>
+              <a:rPr lang="en-US" altLang="ko-KR" sz="2000"/>
               <a:t>onClickListener</a:t>
             </a:r>
             <a:r>
-              <a:rPr lang="ko-KR" altLang="en-US" sz="2300"/>
+              <a:rPr lang="ko-KR" altLang="en-US" sz="2000"/>
               <a:t> 같이 어떤 사용자의</a:t>
             </a:r>
             <a:r>
-              <a:rPr lang="en-US" altLang="ko-KR" sz="2300"/>
+              <a:rPr lang="en-US" altLang="ko-KR" sz="2000"/>
               <a:t> </a:t>
             </a:r>
             <a:r>
-              <a:rPr lang="ko-KR" altLang="en-US" sz="2300"/>
+              <a:rPr lang="ko-KR" altLang="en-US" sz="2000"/>
               <a:t>입력을 기다리는 </a:t>
             </a:r>
             <a:r>
-              <a:rPr lang="en-US" altLang="ko-KR" sz="2300"/>
+              <a:rPr lang="en-US" altLang="ko-KR" sz="2000"/>
               <a:t>Listener</a:t>
             </a:r>
             <a:r>
-              <a:rPr lang="ko-KR" altLang="en-US" sz="2300"/>
+              <a:rPr lang="ko-KR" altLang="en-US" sz="2000"/>
               <a:t>들은 아마 </a:t>
             </a:r>
             <a:r>
-              <a:rPr lang="en-US" altLang="ko-KR" sz="2300"/>
+              <a:rPr lang="en-US" altLang="ko-KR" sz="2000"/>
               <a:t>push</a:t>
             </a:r>
             <a:r>
-              <a:rPr lang="ko-KR" altLang="en-US" sz="2300"/>
+              <a:rPr lang="ko-KR" altLang="en-US" sz="2000"/>
               <a:t> 방식의 옵저버 패턴을 사용했을 것이라 추측</a:t>
             </a:r>
             <a:r>
-              <a:rPr lang="en-US" altLang="ko-KR" sz="2300"/>
+              <a:rPr lang="en-US" altLang="ko-KR" sz="2000"/>
               <a:t>.</a:t>
             </a:r>
-            <a:endParaRPr lang="en-US" altLang="ko-KR" sz="2300"/>
+            <a:endParaRPr lang="en-US" altLang="ko-KR" sz="2000"/>
           </a:p>
         </p:txBody>
       </p:sp>
@@ -6328,270 +6169,6 @@
               <a:ea typeface="KoPubWorld돋움체 Bold"/>
               <a:cs typeface="KoPubWorld돋움체 Bold"/>
             </a:endParaRPr>
-          </a:p>
-        </p:txBody>
-      </p:sp>
-    </p:spTree>
-  </p:cSld>
-  <p:clrMapOvr>
-    <a:masterClrMapping/>
-  </p:clrMapOvr>
-  <mc:AlternateContent xmlns:mc="http://schemas.openxmlformats.org/markup-compatibility/2006">
-    <mc:Choice xmlns:p14="http://schemas.microsoft.com/office/powerpoint/2010/main" Requires="p14">
-      <p:transition xmlns:mc="http://schemas.openxmlformats.org/markup-compatibility/2006" xmlns:p14="http://schemas.microsoft.com/office/powerpoint/2010/main" mc:Ignorable="p14" p14:dur="500"/>
-    </mc:Choice>
-    <mc:Fallback>
-      <p:transition/>
-    </mc:Fallback>
-  </mc:AlternateContent>
-</p:sld>
-</file>
-
-<file path=ppt/slides/slide8.xml><?xml version="1.0" encoding="utf-8"?>
-<p:sld xmlns:r="http://schemas.openxmlformats.org/officeDocument/2006/relationships" xmlns:c="http://schemas.openxmlformats.org/drawingml/2006/chart" xmlns:a="http://schemas.openxmlformats.org/drawingml/2006/main" xmlns:dgm="http://schemas.openxmlformats.org/drawingml/2006/diagram" xmlns:dsp="http://schemas.microsoft.com/office/drawing/2008/diagram" xmlns:p="http://schemas.openxmlformats.org/presentationml/2006/main">
-  <p:cSld>
-    <p:spTree>
-      <p:nvGrpSpPr>
-        <p:cNvPr id="1" name=""/>
-        <p:cNvGrpSpPr/>
-        <p:nvPr/>
-      </p:nvGrpSpPr>
-      <p:grpSpPr>
-        <a:xfrm>
-          <a:off x="0" y="0"/>
-          <a:ext cx="0" cy="0"/>
-          <a:chOff x="0" y="0"/>
-          <a:chExt cx="0" cy="0"/>
-        </a:xfrm>
-      </p:grpSpPr>
-      <p:sp>
-        <p:nvSpPr>
-          <p:cNvPr id="13" name="TextBox 12"/>
-          <p:cNvSpPr txBox="1"/>
-          <p:nvPr/>
-        </p:nvSpPr>
-        <p:spPr>
-          <a:xfrm>
-            <a:off x="281937" y="101138"/>
-            <a:ext cx="2019303" cy="392257"/>
-          </a:xfrm>
-          <a:prstGeom prst="rect">
-            <a:avLst/>
-          </a:prstGeom>
-          <a:noFill/>
-        </p:spPr>
-        <p:txBody>
-          <a:bodyPr wrap="none">
-            <a:spAutoFit/>
-          </a:bodyPr>
-          <a:lstStyle/>
-          <a:p>
-            <a:pPr lvl="0">
-              <a:defRPr/>
-            </a:pPr>
-            <a:r>
-              <a:rPr lang="en-US" altLang="ko-KR" sz="2000" b="1">
-                <a:latin typeface="KoPubWorld돋움체 Bold"/>
-                <a:ea typeface="KoPubWorld돋움체 Bold"/>
-                <a:cs typeface="KoPubWorld돋움체 Bold"/>
-              </a:rPr>
-              <a:t>3.</a:t>
-            </a:r>
-            <a:r>
-              <a:rPr lang="ko-KR" altLang="en-US" sz="2000" b="1">
-                <a:latin typeface="KoPubWorld돋움체 Bold"/>
-                <a:ea typeface="KoPubWorld돋움체 Bold"/>
-                <a:cs typeface="KoPubWorld돋움체 Bold"/>
-              </a:rPr>
-              <a:t> 추가공부내용 </a:t>
-            </a:r>
-            <a:endParaRPr lang="ko-KR" altLang="en-US" sz="2000" b="1">
-              <a:latin typeface="KoPubWorld돋움체 Bold"/>
-              <a:ea typeface="KoPubWorld돋움체 Bold"/>
-              <a:cs typeface="KoPubWorld돋움체 Bold"/>
-            </a:endParaRPr>
-          </a:p>
-        </p:txBody>
-      </p:sp>
-      <p:sp>
-        <p:nvSpPr>
-          <p:cNvPr id="16" name="직사각형 15"/>
-          <p:cNvSpPr/>
-          <p:nvPr/>
-        </p:nvSpPr>
-        <p:spPr>
-          <a:xfrm>
-            <a:off x="236831" y="711342"/>
-            <a:ext cx="10865856" cy="639303"/>
-          </a:xfrm>
-          <a:prstGeom prst="rect">
-            <a:avLst/>
-          </a:prstGeom>
-        </p:spPr>
-        <p:txBody>
-          <a:bodyPr wrap="square">
-            <a:spAutoFit/>
-          </a:bodyPr>
-          <a:lstStyle/>
-          <a:p>
-            <a:pPr>
-              <a:defRPr/>
-            </a:pPr>
-            <a:r>
-              <a:rPr lang="ko-KR" altLang="en-US" sz="3600" b="1">
-                <a:latin typeface="KoPubWorld돋움체 Bold"/>
-                <a:ea typeface="KoPubWorld돋움체 Bold"/>
-                <a:cs typeface="KoPubWorld돋움체 Bold"/>
-              </a:rPr>
-              <a:t>공부 필요한 것  </a:t>
-            </a:r>
-            <a:endParaRPr lang="ko-KR" altLang="en-US" sz="3600" b="1">
-              <a:latin typeface="KoPubWorld돋움체 Bold"/>
-              <a:ea typeface="KoPubWorld돋움체 Bold"/>
-              <a:cs typeface="KoPubWorld돋움체 Bold"/>
-            </a:endParaRPr>
-          </a:p>
-        </p:txBody>
-      </p:sp>
-      <p:sp>
-        <p:nvSpPr>
-          <p:cNvPr id="70" name=""/>
-          <p:cNvSpPr txBox="1"/>
-          <p:nvPr/>
-        </p:nvSpPr>
-        <p:spPr>
-          <a:xfrm>
-            <a:off x="235434" y="1551630"/>
-            <a:ext cx="11327730" cy="2189790"/>
-          </a:xfrm>
-          <a:prstGeom prst="rect">
-            <a:avLst/>
-          </a:prstGeom>
-        </p:spPr>
-        <p:txBody>
-          <a:bodyPr wrap="square">
-            <a:spAutoFit/>
-          </a:bodyPr>
-          <a:lstStyle/>
-          <a:p>
-            <a:pPr>
-              <a:defRPr/>
-            </a:pPr>
-            <a:r>
-              <a:rPr lang="en-US" altLang="ko-KR" sz="2300"/>
-              <a:t>1.</a:t>
-            </a:r>
-            <a:r>
-              <a:rPr lang="ko-KR" altLang="en-US" sz="2300"/>
-              <a:t> 객체지향 </a:t>
-            </a:r>
-            <a:r>
-              <a:rPr lang="en-US" altLang="ko-KR" sz="2300"/>
-              <a:t>(SOLID)</a:t>
-            </a:r>
-            <a:r>
-              <a:rPr lang="ko-KR" altLang="en-US" sz="2300"/>
-              <a:t> 규칙에 대한 공부 필요</a:t>
-            </a:r>
-            <a:r>
-              <a:rPr lang="en-US" altLang="ko-KR" sz="2300"/>
-              <a:t>.</a:t>
-            </a:r>
-            <a:r>
-              <a:rPr lang="ko-KR" altLang="en-US" sz="2300"/>
-              <a:t> </a:t>
-            </a:r>
-            <a:r>
-              <a:rPr lang="en-US" altLang="ko-KR" sz="2300"/>
-              <a:t>(</a:t>
-            </a:r>
-            <a:r>
-              <a:rPr lang="ko-KR" altLang="en-US" sz="2300"/>
-              <a:t>디자인패턴과 연관지어 생각해보기</a:t>
-            </a:r>
-            <a:r>
-              <a:rPr lang="en-US" altLang="ko-KR" sz="2300"/>
-              <a:t>)</a:t>
-            </a:r>
-            <a:endParaRPr lang="en-US" altLang="ko-KR" sz="2300"/>
-          </a:p>
-          <a:p>
-            <a:pPr>
-              <a:defRPr/>
-            </a:pPr>
-            <a:endParaRPr lang="ko-KR" altLang="en-US" sz="2300"/>
-          </a:p>
-          <a:p>
-            <a:pPr>
-              <a:defRPr/>
-            </a:pPr>
-            <a:r>
-              <a:rPr lang="ko-KR" altLang="en-US" sz="2300"/>
-              <a:t> </a:t>
-            </a:r>
-            <a:r>
-              <a:rPr lang="en-US" altLang="ko-KR" sz="2300"/>
-              <a:t>-</a:t>
-            </a:r>
-            <a:r>
-              <a:rPr lang="ko-KR" altLang="en-US" sz="2300"/>
-              <a:t> 객체지향의 기본 규칙 원칙에 대한 개념이 부족하다</a:t>
-            </a:r>
-            <a:r>
-              <a:rPr lang="en-US" altLang="ko-KR" sz="2300"/>
-              <a:t>.</a:t>
-            </a:r>
-            <a:r>
-              <a:rPr lang="ko-KR" altLang="en-US" sz="2300"/>
-              <a:t> </a:t>
-            </a:r>
-            <a:endParaRPr lang="ko-KR" altLang="en-US" sz="2300"/>
-          </a:p>
-          <a:p>
-            <a:pPr>
-              <a:defRPr/>
-            </a:pPr>
-            <a:endParaRPr lang="ko-KR" altLang="en-US" sz="2300"/>
-          </a:p>
-          <a:p>
-            <a:pPr>
-              <a:defRPr/>
-            </a:pPr>
-            <a:r>
-              <a:rPr lang="en-US" altLang="ko-KR" sz="2300"/>
-              <a:t>2.</a:t>
-            </a:r>
-            <a:r>
-              <a:rPr lang="ko-KR" altLang="en-US" sz="2300"/>
-              <a:t> 전략패턴을 어떤 상황에 적용해야하는지에 대한 경험</a:t>
-            </a:r>
-            <a:r>
-              <a:rPr lang="en-US" altLang="ko-KR" sz="2300"/>
-              <a:t>..</a:t>
-            </a:r>
-            <a:r>
-              <a:rPr lang="ko-KR" altLang="en-US" sz="2300"/>
-              <a:t>부족 </a:t>
-            </a:r>
-            <a:endParaRPr lang="en-US" altLang="ko-KR" sz="2300"/>
-          </a:p>
-          <a:p>
-            <a:pPr>
-              <a:defRPr/>
-            </a:pPr>
-            <a:r>
-              <a:rPr lang="en-US" altLang="ko-KR" sz="2300"/>
-              <a:t>--&gt;</a:t>
-            </a:r>
-            <a:r>
-              <a:rPr lang="ko-KR" altLang="en-US" sz="2300"/>
-              <a:t> 코드를 작성하면서  써보려고 생각해보기</a:t>
-            </a:r>
-            <a:r>
-              <a:rPr lang="en-US" altLang="ko-KR" sz="2300"/>
-              <a:t>.</a:t>
-            </a:r>
-            <a:endParaRPr lang="en-US" altLang="ko-KR" sz="2300"/>
           </a:p>
         </p:txBody>
       </p:sp>
